--- a/docs/rest.pptx
+++ b/docs/rest.pptx
@@ -12,6 +12,7 @@
     <p:sldId id="260" r:id="rId6"/>
     <p:sldId id="261" r:id="rId7"/>
     <p:sldId id="262" r:id="rId8"/>
+    <p:sldId id="263" r:id="rId9"/>
   </p:sldIdLst>
   <p:sldSz cx="12192000" cy="6858000"/>
   <p:notesSz cx="6858000" cy="9144000"/>
@@ -110,6 +111,11 @@
       </a:defRPr>
     </a:lvl9pPr>
   </p:defaultTextStyle>
+  <p:extLst>
+    <p:ext uri="{EFAFB233-063F-42B5-8137-9DF3F51BA10A}">
+      <p15:sldGuideLst xmlns:p15="http://schemas.microsoft.com/office/powerpoint/2012/main"/>
+    </p:ext>
+  </p:extLst>
 </p:presentation>
 </file>
 
@@ -282,7 +288,7 @@
           <a:p>
             <a:fld id="{E5E078E7-0741-4098-A3C1-E216A4E258C6}" type="datetimeFigureOut">
               <a:rPr lang="en-US" smtClean="0"/>
-              <a:t>2019-10-21</a:t>
+              <a:t>2019-11-11</a:t>
             </a:fld>
             <a:endParaRPr lang="en-US"/>
           </a:p>
@@ -612,7 +618,7 @@
           <a:p>
             <a:fld id="{E5E078E7-0741-4098-A3C1-E216A4E258C6}" type="datetimeFigureOut">
               <a:rPr lang="en-US" smtClean="0"/>
-              <a:t>2019-10-21</a:t>
+              <a:t>2019-11-11</a:t>
             </a:fld>
             <a:endParaRPr lang="en-US"/>
           </a:p>
@@ -792,7 +798,7 @@
           <a:p>
             <a:fld id="{E5E078E7-0741-4098-A3C1-E216A4E258C6}" type="datetimeFigureOut">
               <a:rPr lang="en-US" smtClean="0"/>
-              <a:t>2019-10-21</a:t>
+              <a:t>2019-11-11</a:t>
             </a:fld>
             <a:endParaRPr lang="en-US"/>
           </a:p>
@@ -962,7 +968,7 @@
           <a:p>
             <a:fld id="{E5E078E7-0741-4098-A3C1-E216A4E258C6}" type="datetimeFigureOut">
               <a:rPr lang="en-US" smtClean="0"/>
-              <a:t>2019-10-21</a:t>
+              <a:t>2019-11-11</a:t>
             </a:fld>
             <a:endParaRPr lang="en-US"/>
           </a:p>
@@ -1239,7 +1245,7 @@
           <a:p>
             <a:fld id="{E5E078E7-0741-4098-A3C1-E216A4E258C6}" type="datetimeFigureOut">
               <a:rPr lang="en-US" smtClean="0"/>
-              <a:t>2019-10-21</a:t>
+              <a:t>2019-11-11</a:t>
             </a:fld>
             <a:endParaRPr lang="en-US"/>
           </a:p>
@@ -1633,7 +1639,7 @@
           <a:p>
             <a:fld id="{E5E078E7-0741-4098-A3C1-E216A4E258C6}" type="datetimeFigureOut">
               <a:rPr lang="en-US" smtClean="0"/>
-              <a:t>2019-10-21</a:t>
+              <a:t>2019-11-11</a:t>
             </a:fld>
             <a:endParaRPr lang="en-US"/>
           </a:p>
@@ -2110,7 +2116,7 @@
           <a:p>
             <a:fld id="{E5E078E7-0741-4098-A3C1-E216A4E258C6}" type="datetimeFigureOut">
               <a:rPr lang="en-US" smtClean="0"/>
-              <a:t>2019-10-21</a:t>
+              <a:t>2019-11-11</a:t>
             </a:fld>
             <a:endParaRPr lang="en-US"/>
           </a:p>
@@ -2228,7 +2234,7 @@
           <a:p>
             <a:fld id="{E5E078E7-0741-4098-A3C1-E216A4E258C6}" type="datetimeFigureOut">
               <a:rPr lang="en-US" smtClean="0"/>
-              <a:t>2019-10-21</a:t>
+              <a:t>2019-11-11</a:t>
             </a:fld>
             <a:endParaRPr lang="en-US"/>
           </a:p>
@@ -2323,7 +2329,7 @@
           <a:p>
             <a:fld id="{E5E078E7-0741-4098-A3C1-E216A4E258C6}" type="datetimeFigureOut">
               <a:rPr lang="en-US" smtClean="0"/>
-              <a:t>2019-10-21</a:t>
+              <a:t>2019-11-11</a:t>
             </a:fld>
             <a:endParaRPr lang="en-US"/>
           </a:p>
@@ -2669,7 +2675,7 @@
           <a:p>
             <a:fld id="{E5E078E7-0741-4098-A3C1-E216A4E258C6}" type="datetimeFigureOut">
               <a:rPr lang="en-US" smtClean="0"/>
-              <a:t>2019-10-21</a:t>
+              <a:t>2019-11-11</a:t>
             </a:fld>
             <a:endParaRPr lang="en-US"/>
           </a:p>
@@ -3057,7 +3063,7 @@
           <a:p>
             <a:fld id="{E5E078E7-0741-4098-A3C1-E216A4E258C6}" type="datetimeFigureOut">
               <a:rPr lang="en-US" smtClean="0"/>
-              <a:t>2019-10-21</a:t>
+              <a:t>2019-11-11</a:t>
             </a:fld>
             <a:endParaRPr lang="en-US"/>
           </a:p>
@@ -3335,7 +3341,7 @@
           <a:p>
             <a:fld id="{E5E078E7-0741-4098-A3C1-E216A4E258C6}" type="datetimeFigureOut">
               <a:rPr lang="en-US" smtClean="0"/>
-              <a:t>2019-10-21</a:t>
+              <a:t>2019-11-11</a:t>
             </a:fld>
             <a:endParaRPr lang="en-US"/>
           </a:p>
@@ -9088,6 +9094,1137 @@
 </p:sld>
 </file>
 
+<file path=ppt/slides/slide8.xml><?xml version="1.0" encoding="utf-8"?>
+<p:sld xmlns:a="http://schemas.openxmlformats.org/drawingml/2006/main" xmlns:r="http://schemas.openxmlformats.org/officeDocument/2006/relationships" xmlns:p="http://schemas.openxmlformats.org/presentationml/2006/main">
+  <p:cSld>
+    <p:spTree>
+      <p:nvGrpSpPr>
+        <p:cNvPr id="1" name=""/>
+        <p:cNvGrpSpPr/>
+        <p:nvPr/>
+      </p:nvGrpSpPr>
+      <p:grpSpPr>
+        <a:xfrm>
+          <a:off x="0" y="0"/>
+          <a:ext cx="0" cy="0"/>
+          <a:chOff x="0" y="0"/>
+          <a:chExt cx="0" cy="0"/>
+        </a:xfrm>
+      </p:grpSpPr>
+      <p:sp>
+        <p:nvSpPr>
+          <p:cNvPr id="4" name="Rectangle 3">
+            <a:extLst>
+              <a:ext uri="{FF2B5EF4-FFF2-40B4-BE49-F238E27FC236}">
+                <a16:creationId xmlns:a16="http://schemas.microsoft.com/office/drawing/2014/main" id="{2409E4DA-1AD6-4E0B-99DB-D5727430D259}"/>
+              </a:ext>
+            </a:extLst>
+          </p:cNvPr>
+          <p:cNvSpPr/>
+          <p:nvPr/>
+        </p:nvSpPr>
+        <p:spPr>
+          <a:xfrm>
+            <a:off x="946298" y="202019"/>
+            <a:ext cx="1573618" cy="1010093"/>
+          </a:xfrm>
+          <a:prstGeom prst="rect">
+            <a:avLst/>
+          </a:prstGeom>
+        </p:spPr>
+        <p:style>
+          <a:lnRef idx="2">
+            <a:schemeClr val="accent1">
+              <a:shade val="50000"/>
+            </a:schemeClr>
+          </a:lnRef>
+          <a:fillRef idx="1">
+            <a:schemeClr val="accent1"/>
+          </a:fillRef>
+          <a:effectRef idx="0">
+            <a:schemeClr val="accent1"/>
+          </a:effectRef>
+          <a:fontRef idx="minor">
+            <a:schemeClr val="lt1"/>
+          </a:fontRef>
+        </p:style>
+        <p:txBody>
+          <a:bodyPr rtlCol="0" anchor="ctr"/>
+          <a:lstStyle/>
+          <a:p>
+            <a:pPr algn="ctr"/>
+            <a:r>
+              <a:rPr lang="en-US" dirty="0"/>
+              <a:t>Int main()</a:t>
+            </a:r>
+          </a:p>
+        </p:txBody>
+      </p:sp>
+      <p:sp>
+        <p:nvSpPr>
+          <p:cNvPr id="5" name="Rectangle 4">
+            <a:extLst>
+              <a:ext uri="{FF2B5EF4-FFF2-40B4-BE49-F238E27FC236}">
+                <a16:creationId xmlns:a16="http://schemas.microsoft.com/office/drawing/2014/main" id="{C4EC2304-B902-46D0-81C0-945C593C35D3}"/>
+              </a:ext>
+            </a:extLst>
+          </p:cNvPr>
+          <p:cNvSpPr/>
+          <p:nvPr/>
+        </p:nvSpPr>
+        <p:spPr>
+          <a:xfrm>
+            <a:off x="3019647" y="202019"/>
+            <a:ext cx="1573618" cy="1010093"/>
+          </a:xfrm>
+          <a:prstGeom prst="rect">
+            <a:avLst/>
+          </a:prstGeom>
+        </p:spPr>
+        <p:style>
+          <a:lnRef idx="2">
+            <a:schemeClr val="accent1">
+              <a:shade val="50000"/>
+            </a:schemeClr>
+          </a:lnRef>
+          <a:fillRef idx="1">
+            <a:schemeClr val="accent1"/>
+          </a:fillRef>
+          <a:effectRef idx="0">
+            <a:schemeClr val="accent1"/>
+          </a:effectRef>
+          <a:fontRef idx="minor">
+            <a:schemeClr val="lt1"/>
+          </a:fontRef>
+        </p:style>
+        <p:txBody>
+          <a:bodyPr rtlCol="0" anchor="ctr"/>
+          <a:lstStyle/>
+          <a:p>
+            <a:pPr algn="ctr"/>
+            <a:r>
+              <a:rPr lang="en-US" dirty="0"/>
+              <a:t>New thread</a:t>
+            </a:r>
+          </a:p>
+        </p:txBody>
+      </p:sp>
+      <p:sp>
+        <p:nvSpPr>
+          <p:cNvPr id="7" name="Rectangle 6">
+            <a:extLst>
+              <a:ext uri="{FF2B5EF4-FFF2-40B4-BE49-F238E27FC236}">
+                <a16:creationId xmlns:a16="http://schemas.microsoft.com/office/drawing/2014/main" id="{8C616B72-6E74-4EEF-B86E-CF71108B1311}"/>
+              </a:ext>
+            </a:extLst>
+          </p:cNvPr>
+          <p:cNvSpPr/>
+          <p:nvPr/>
+        </p:nvSpPr>
+        <p:spPr>
+          <a:xfrm>
+            <a:off x="5092996" y="202018"/>
+            <a:ext cx="1573618" cy="1010093"/>
+          </a:xfrm>
+          <a:prstGeom prst="rect">
+            <a:avLst/>
+          </a:prstGeom>
+        </p:spPr>
+        <p:style>
+          <a:lnRef idx="2">
+            <a:schemeClr val="accent1">
+              <a:shade val="50000"/>
+            </a:schemeClr>
+          </a:lnRef>
+          <a:fillRef idx="1">
+            <a:schemeClr val="accent1"/>
+          </a:fillRef>
+          <a:effectRef idx="0">
+            <a:schemeClr val="accent1"/>
+          </a:effectRef>
+          <a:fontRef idx="minor">
+            <a:schemeClr val="lt1"/>
+          </a:fontRef>
+        </p:style>
+        <p:txBody>
+          <a:bodyPr rtlCol="0" anchor="ctr"/>
+          <a:lstStyle/>
+          <a:p>
+            <a:pPr algn="ctr"/>
+            <a:r>
+              <a:rPr lang="en-US" dirty="0"/>
+              <a:t>Game loop</a:t>
+            </a:r>
+          </a:p>
+        </p:txBody>
+      </p:sp>
+      <p:sp>
+        <p:nvSpPr>
+          <p:cNvPr id="8" name="Rectangle 7">
+            <a:extLst>
+              <a:ext uri="{FF2B5EF4-FFF2-40B4-BE49-F238E27FC236}">
+                <a16:creationId xmlns:a16="http://schemas.microsoft.com/office/drawing/2014/main" id="{7604A7CE-E3BA-4F18-91D3-2BD7D42FD0A8}"/>
+              </a:ext>
+            </a:extLst>
+          </p:cNvPr>
+          <p:cNvSpPr/>
+          <p:nvPr/>
+        </p:nvSpPr>
+        <p:spPr>
+          <a:xfrm>
+            <a:off x="7166345" y="202017"/>
+            <a:ext cx="1573618" cy="1010093"/>
+          </a:xfrm>
+          <a:prstGeom prst="rect">
+            <a:avLst/>
+          </a:prstGeom>
+          <a:solidFill>
+            <a:schemeClr val="tx2">
+              <a:lumMod val="50000"/>
+              <a:lumOff val="50000"/>
+            </a:schemeClr>
+          </a:solidFill>
+        </p:spPr>
+        <p:style>
+          <a:lnRef idx="2">
+            <a:schemeClr val="accent1">
+              <a:shade val="50000"/>
+            </a:schemeClr>
+          </a:lnRef>
+          <a:fillRef idx="1">
+            <a:schemeClr val="accent1"/>
+          </a:fillRef>
+          <a:effectRef idx="0">
+            <a:schemeClr val="accent1"/>
+          </a:effectRef>
+          <a:fontRef idx="minor">
+            <a:schemeClr val="lt1"/>
+          </a:fontRef>
+        </p:style>
+        <p:txBody>
+          <a:bodyPr rtlCol="0" anchor="ctr"/>
+          <a:lstStyle/>
+          <a:p>
+            <a:pPr algn="ctr"/>
+            <a:r>
+              <a:rPr lang="en-US" dirty="0"/>
+              <a:t>Begin warmup</a:t>
+            </a:r>
+          </a:p>
+        </p:txBody>
+      </p:sp>
+      <p:sp>
+        <p:nvSpPr>
+          <p:cNvPr id="10" name="Rectangle 9">
+            <a:extLst>
+              <a:ext uri="{FF2B5EF4-FFF2-40B4-BE49-F238E27FC236}">
+                <a16:creationId xmlns:a16="http://schemas.microsoft.com/office/drawing/2014/main" id="{0BDB28CB-32C9-44EF-AB3C-481AE349487C}"/>
+              </a:ext>
+            </a:extLst>
+          </p:cNvPr>
+          <p:cNvSpPr/>
+          <p:nvPr/>
+        </p:nvSpPr>
+        <p:spPr>
+          <a:xfrm>
+            <a:off x="7166345" y="1945757"/>
+            <a:ext cx="1573618" cy="1010093"/>
+          </a:xfrm>
+          <a:prstGeom prst="rect">
+            <a:avLst/>
+          </a:prstGeom>
+        </p:spPr>
+        <p:style>
+          <a:lnRef idx="2">
+            <a:schemeClr val="accent1">
+              <a:shade val="50000"/>
+            </a:schemeClr>
+          </a:lnRef>
+          <a:fillRef idx="1">
+            <a:schemeClr val="accent1"/>
+          </a:fillRef>
+          <a:effectRef idx="0">
+            <a:schemeClr val="accent1"/>
+          </a:effectRef>
+          <a:fontRef idx="minor">
+            <a:schemeClr val="lt1"/>
+          </a:fontRef>
+        </p:style>
+        <p:txBody>
+          <a:bodyPr rtlCol="0" anchor="ctr"/>
+          <a:lstStyle/>
+          <a:p>
+            <a:pPr algn="ctr"/>
+            <a:r>
+              <a:rPr lang="en-US" dirty="0"/>
+              <a:t>Begin round</a:t>
+            </a:r>
+          </a:p>
+        </p:txBody>
+      </p:sp>
+      <p:sp>
+        <p:nvSpPr>
+          <p:cNvPr id="11" name="Rectangle 10">
+            <a:extLst>
+              <a:ext uri="{FF2B5EF4-FFF2-40B4-BE49-F238E27FC236}">
+                <a16:creationId xmlns:a16="http://schemas.microsoft.com/office/drawing/2014/main" id="{A63AC8D1-B618-4745-A9C4-63C756DC9DAD}"/>
+              </a:ext>
+            </a:extLst>
+          </p:cNvPr>
+          <p:cNvSpPr/>
+          <p:nvPr/>
+        </p:nvSpPr>
+        <p:spPr>
+          <a:xfrm>
+            <a:off x="7389629" y="1355649"/>
+            <a:ext cx="1127050" cy="446569"/>
+          </a:xfrm>
+          <a:prstGeom prst="rect">
+            <a:avLst/>
+          </a:prstGeom>
+        </p:spPr>
+        <p:style>
+          <a:lnRef idx="2">
+            <a:schemeClr val="accent1">
+              <a:shade val="50000"/>
+            </a:schemeClr>
+          </a:lnRef>
+          <a:fillRef idx="1">
+            <a:schemeClr val="accent1"/>
+          </a:fillRef>
+          <a:effectRef idx="0">
+            <a:schemeClr val="accent1"/>
+          </a:effectRef>
+          <a:fontRef idx="minor">
+            <a:schemeClr val="lt1"/>
+          </a:fontRef>
+        </p:style>
+        <p:txBody>
+          <a:bodyPr rtlCol="0" anchor="ctr"/>
+          <a:lstStyle/>
+          <a:p>
+            <a:pPr algn="ctr"/>
+            <a:r>
+              <a:rPr lang="en-US" dirty="0"/>
+              <a:t>Sleep 25</a:t>
+            </a:r>
+          </a:p>
+        </p:txBody>
+      </p:sp>
+      <p:sp>
+        <p:nvSpPr>
+          <p:cNvPr id="12" name="Rectangle 11">
+            <a:extLst>
+              <a:ext uri="{FF2B5EF4-FFF2-40B4-BE49-F238E27FC236}">
+                <a16:creationId xmlns:a16="http://schemas.microsoft.com/office/drawing/2014/main" id="{88828A7A-AD09-42E3-89ED-568F40090B0D}"/>
+              </a:ext>
+            </a:extLst>
+          </p:cNvPr>
+          <p:cNvSpPr/>
+          <p:nvPr/>
+        </p:nvSpPr>
+        <p:spPr>
+          <a:xfrm>
+            <a:off x="7166345" y="3902149"/>
+            <a:ext cx="1573618" cy="1010093"/>
+          </a:xfrm>
+          <a:prstGeom prst="rect">
+            <a:avLst/>
+          </a:prstGeom>
+        </p:spPr>
+        <p:style>
+          <a:lnRef idx="2">
+            <a:schemeClr val="accent1">
+              <a:shade val="50000"/>
+            </a:schemeClr>
+          </a:lnRef>
+          <a:fillRef idx="1">
+            <a:schemeClr val="accent1"/>
+          </a:fillRef>
+          <a:effectRef idx="0">
+            <a:schemeClr val="accent1"/>
+          </a:effectRef>
+          <a:fontRef idx="minor">
+            <a:schemeClr val="lt1"/>
+          </a:fontRef>
+        </p:style>
+        <p:txBody>
+          <a:bodyPr rtlCol="0" anchor="ctr"/>
+          <a:lstStyle/>
+          <a:p>
+            <a:pPr algn="ctr"/>
+            <a:r>
+              <a:rPr lang="en-US" dirty="0"/>
+              <a:t>Round end</a:t>
+            </a:r>
+          </a:p>
+        </p:txBody>
+      </p:sp>
+      <p:sp>
+        <p:nvSpPr>
+          <p:cNvPr id="13" name="Rectangle 12">
+            <a:extLst>
+              <a:ext uri="{FF2B5EF4-FFF2-40B4-BE49-F238E27FC236}">
+                <a16:creationId xmlns:a16="http://schemas.microsoft.com/office/drawing/2014/main" id="{E9C86FE6-FDBC-4211-B9B7-167721CA60F9}"/>
+              </a:ext>
+            </a:extLst>
+          </p:cNvPr>
+          <p:cNvSpPr/>
+          <p:nvPr/>
+        </p:nvSpPr>
+        <p:spPr>
+          <a:xfrm>
+            <a:off x="7389629" y="3205715"/>
+            <a:ext cx="1127050" cy="446569"/>
+          </a:xfrm>
+          <a:prstGeom prst="rect">
+            <a:avLst/>
+          </a:prstGeom>
+        </p:spPr>
+        <p:style>
+          <a:lnRef idx="2">
+            <a:schemeClr val="accent1">
+              <a:shade val="50000"/>
+            </a:schemeClr>
+          </a:lnRef>
+          <a:fillRef idx="1">
+            <a:schemeClr val="accent1"/>
+          </a:fillRef>
+          <a:effectRef idx="0">
+            <a:schemeClr val="accent1"/>
+          </a:effectRef>
+          <a:fontRef idx="minor">
+            <a:schemeClr val="lt1"/>
+          </a:fontRef>
+        </p:style>
+        <p:txBody>
+          <a:bodyPr rtlCol="0" anchor="ctr"/>
+          <a:lstStyle/>
+          <a:p>
+            <a:pPr algn="ctr"/>
+            <a:r>
+              <a:rPr lang="en-US" dirty="0"/>
+              <a:t>Sleep 25</a:t>
+            </a:r>
+          </a:p>
+        </p:txBody>
+      </p:sp>
+      <p:sp>
+        <p:nvSpPr>
+          <p:cNvPr id="15" name="Rectangle 14">
+            <a:extLst>
+              <a:ext uri="{FF2B5EF4-FFF2-40B4-BE49-F238E27FC236}">
+                <a16:creationId xmlns:a16="http://schemas.microsoft.com/office/drawing/2014/main" id="{250F535F-7479-4659-9468-CC4DD0390257}"/>
+              </a:ext>
+            </a:extLst>
+          </p:cNvPr>
+          <p:cNvSpPr/>
+          <p:nvPr/>
+        </p:nvSpPr>
+        <p:spPr>
+          <a:xfrm>
+            <a:off x="9239692" y="1945757"/>
+            <a:ext cx="2817627" cy="1010093"/>
+          </a:xfrm>
+          <a:prstGeom prst="rect">
+            <a:avLst/>
+          </a:prstGeom>
+          <a:solidFill>
+            <a:schemeClr val="accent2"/>
+          </a:solidFill>
+        </p:spPr>
+        <p:style>
+          <a:lnRef idx="2">
+            <a:schemeClr val="accent1">
+              <a:shade val="50000"/>
+            </a:schemeClr>
+          </a:lnRef>
+          <a:fillRef idx="1">
+            <a:schemeClr val="accent1"/>
+          </a:fillRef>
+          <a:effectRef idx="0">
+            <a:schemeClr val="accent1"/>
+          </a:effectRef>
+          <a:fontRef idx="minor">
+            <a:schemeClr val="lt1"/>
+          </a:fontRef>
+        </p:style>
+        <p:txBody>
+          <a:bodyPr rtlCol="0" anchor="ctr"/>
+          <a:lstStyle/>
+          <a:p>
+            <a:pPr algn="ctr"/>
+            <a:r>
+              <a:rPr lang="en-US" dirty="0" err="1"/>
+              <a:t>tellClientsRoundInfo</a:t>
+            </a:r>
+            <a:endParaRPr lang="en-US" dirty="0"/>
+          </a:p>
+          <a:p>
+            <a:pPr algn="ctr"/>
+            <a:r>
+              <a:rPr lang="en-US" dirty="0"/>
+              <a:t>(Vector&lt;int&gt; </a:t>
+            </a:r>
+            <a:r>
+              <a:rPr lang="en-US" dirty="0" err="1"/>
+              <a:t>roundInfo</a:t>
+            </a:r>
+            <a:r>
+              <a:rPr lang="en-US" dirty="0"/>
+              <a:t>)</a:t>
+            </a:r>
+          </a:p>
+        </p:txBody>
+      </p:sp>
+      <p:sp>
+        <p:nvSpPr>
+          <p:cNvPr id="16" name="Rectangle 15">
+            <a:extLst>
+              <a:ext uri="{FF2B5EF4-FFF2-40B4-BE49-F238E27FC236}">
+                <a16:creationId xmlns:a16="http://schemas.microsoft.com/office/drawing/2014/main" id="{D6E1EC05-B5CF-4AA1-A2F2-A9E785C433A6}"/>
+              </a:ext>
+            </a:extLst>
+          </p:cNvPr>
+          <p:cNvSpPr/>
+          <p:nvPr/>
+        </p:nvSpPr>
+        <p:spPr>
+          <a:xfrm>
+            <a:off x="819475" y="4152014"/>
+            <a:ext cx="3400882" cy="1010093"/>
+          </a:xfrm>
+          <a:prstGeom prst="rect">
+            <a:avLst/>
+          </a:prstGeom>
+          <a:solidFill>
+            <a:schemeClr val="accent5"/>
+          </a:solidFill>
+        </p:spPr>
+        <p:style>
+          <a:lnRef idx="2">
+            <a:schemeClr val="accent1">
+              <a:shade val="50000"/>
+            </a:schemeClr>
+          </a:lnRef>
+          <a:fillRef idx="1">
+            <a:schemeClr val="accent1"/>
+          </a:fillRef>
+          <a:effectRef idx="0">
+            <a:schemeClr val="accent1"/>
+          </a:effectRef>
+          <a:fontRef idx="minor">
+            <a:schemeClr val="lt1"/>
+          </a:fontRef>
+        </p:style>
+        <p:txBody>
+          <a:bodyPr rtlCol="0" anchor="ctr"/>
+          <a:lstStyle/>
+          <a:p>
+            <a:pPr algn="ctr"/>
+            <a:r>
+              <a:rPr lang="en-US" dirty="0" err="1"/>
+              <a:t>clientUpdate</a:t>
+            </a:r>
+            <a:r>
+              <a:rPr lang="en-US" dirty="0"/>
+              <a:t>(</a:t>
+            </a:r>
+            <a:r>
+              <a:rPr lang="en-US" dirty="0" err="1"/>
+              <a:t>newMoneyAmount</a:t>
+            </a:r>
+            <a:r>
+              <a:rPr lang="en-US" dirty="0"/>
+              <a:t>)</a:t>
+            </a:r>
+          </a:p>
+        </p:txBody>
+      </p:sp>
+      <p:sp>
+        <p:nvSpPr>
+          <p:cNvPr id="17" name="Rectangle 16">
+            <a:extLst>
+              <a:ext uri="{FF2B5EF4-FFF2-40B4-BE49-F238E27FC236}">
+                <a16:creationId xmlns:a16="http://schemas.microsoft.com/office/drawing/2014/main" id="{C6DE1D3B-1623-40DD-84C5-2E82290C2BC7}"/>
+              </a:ext>
+            </a:extLst>
+          </p:cNvPr>
+          <p:cNvSpPr/>
+          <p:nvPr/>
+        </p:nvSpPr>
+        <p:spPr>
+          <a:xfrm>
+            <a:off x="5613990" y="5162107"/>
+            <a:ext cx="4678327" cy="898449"/>
+          </a:xfrm>
+          <a:prstGeom prst="rect">
+            <a:avLst/>
+          </a:prstGeom>
+        </p:spPr>
+        <p:style>
+          <a:lnRef idx="2">
+            <a:schemeClr val="accent1">
+              <a:shade val="50000"/>
+            </a:schemeClr>
+          </a:lnRef>
+          <a:fillRef idx="1">
+            <a:schemeClr val="accent1"/>
+          </a:fillRef>
+          <a:effectRef idx="0">
+            <a:schemeClr val="accent1"/>
+          </a:effectRef>
+          <a:fontRef idx="minor">
+            <a:schemeClr val="lt1"/>
+          </a:fontRef>
+        </p:style>
+        <p:txBody>
+          <a:bodyPr rtlCol="0" anchor="ctr"/>
+          <a:lstStyle/>
+          <a:p>
+            <a:pPr algn="ctr"/>
+            <a:r>
+              <a:rPr lang="en-US" dirty="0"/>
+              <a:t>Wait until (#</a:t>
+            </a:r>
+            <a:r>
+              <a:rPr lang="en-US" dirty="0" err="1"/>
+              <a:t>clientsfinished</a:t>
+            </a:r>
+            <a:r>
+              <a:rPr lang="en-US" dirty="0"/>
+              <a:t> == #</a:t>
+            </a:r>
+            <a:r>
+              <a:rPr lang="en-US" dirty="0" err="1"/>
+              <a:t>clientsInRound</a:t>
+            </a:r>
+            <a:r>
+              <a:rPr lang="en-US" dirty="0"/>
+              <a:t> || 25 seconds passed)</a:t>
+            </a:r>
+          </a:p>
+        </p:txBody>
+      </p:sp>
+      <p:sp>
+        <p:nvSpPr>
+          <p:cNvPr id="18" name="Rectangle 17">
+            <a:extLst>
+              <a:ext uri="{FF2B5EF4-FFF2-40B4-BE49-F238E27FC236}">
+                <a16:creationId xmlns:a16="http://schemas.microsoft.com/office/drawing/2014/main" id="{CF19A319-D228-4D8E-AE44-044347CB8178}"/>
+              </a:ext>
+            </a:extLst>
+          </p:cNvPr>
+          <p:cNvSpPr/>
+          <p:nvPr/>
+        </p:nvSpPr>
+        <p:spPr>
+          <a:xfrm>
+            <a:off x="7166345" y="6310421"/>
+            <a:ext cx="1722474" cy="361509"/>
+          </a:xfrm>
+          <a:prstGeom prst="rect">
+            <a:avLst/>
+          </a:prstGeom>
+          <a:solidFill>
+            <a:schemeClr val="tx2">
+              <a:lumMod val="50000"/>
+              <a:lumOff val="50000"/>
+            </a:schemeClr>
+          </a:solidFill>
+        </p:spPr>
+        <p:style>
+          <a:lnRef idx="2">
+            <a:schemeClr val="accent1">
+              <a:shade val="50000"/>
+            </a:schemeClr>
+          </a:lnRef>
+          <a:fillRef idx="1">
+            <a:schemeClr val="accent1"/>
+          </a:fillRef>
+          <a:effectRef idx="0">
+            <a:schemeClr val="accent1"/>
+          </a:effectRef>
+          <a:fontRef idx="minor">
+            <a:schemeClr val="lt1"/>
+          </a:fontRef>
+        </p:style>
+        <p:txBody>
+          <a:bodyPr rtlCol="0" anchor="ctr"/>
+          <a:lstStyle/>
+          <a:p>
+            <a:pPr algn="ctr"/>
+            <a:r>
+              <a:rPr lang="en-US" dirty="0" err="1"/>
+              <a:t>goto</a:t>
+            </a:r>
+            <a:r>
+              <a:rPr lang="en-US" dirty="0"/>
+              <a:t> Warmup</a:t>
+            </a:r>
+          </a:p>
+        </p:txBody>
+      </p:sp>
+      <p:sp>
+        <p:nvSpPr>
+          <p:cNvPr id="25" name="Rectangle 24">
+            <a:extLst>
+              <a:ext uri="{FF2B5EF4-FFF2-40B4-BE49-F238E27FC236}">
+                <a16:creationId xmlns:a16="http://schemas.microsoft.com/office/drawing/2014/main" id="{091DD361-41DB-43A3-8556-784D8D00EDC9}"/>
+              </a:ext>
+            </a:extLst>
+          </p:cNvPr>
+          <p:cNvSpPr/>
+          <p:nvPr/>
+        </p:nvSpPr>
+        <p:spPr>
+          <a:xfrm>
+            <a:off x="887818" y="2918636"/>
+            <a:ext cx="2445486" cy="510363"/>
+          </a:xfrm>
+          <a:prstGeom prst="rect">
+            <a:avLst/>
+          </a:prstGeom>
+        </p:spPr>
+        <p:style>
+          <a:lnRef idx="2">
+            <a:schemeClr val="accent1">
+              <a:shade val="50000"/>
+            </a:schemeClr>
+          </a:lnRef>
+          <a:fillRef idx="1">
+            <a:schemeClr val="accent1"/>
+          </a:fillRef>
+          <a:effectRef idx="0">
+            <a:schemeClr val="accent1"/>
+          </a:effectRef>
+          <a:fontRef idx="minor">
+            <a:schemeClr val="lt1"/>
+          </a:fontRef>
+        </p:style>
+        <p:txBody>
+          <a:bodyPr rtlCol="0" anchor="ctr"/>
+          <a:lstStyle/>
+          <a:p>
+            <a:pPr algn="ctr"/>
+            <a:r>
+              <a:rPr lang="en-US" dirty="0"/>
+              <a:t>User[] </a:t>
+            </a:r>
+            <a:r>
+              <a:rPr lang="en-US" dirty="0" err="1"/>
+              <a:t>loggedInUsers</a:t>
+            </a:r>
+            <a:endParaRPr lang="en-US" dirty="0"/>
+          </a:p>
+        </p:txBody>
+      </p:sp>
+      <p:sp>
+        <p:nvSpPr>
+          <p:cNvPr id="31" name="Rectangle 30">
+            <a:extLst>
+              <a:ext uri="{FF2B5EF4-FFF2-40B4-BE49-F238E27FC236}">
+                <a16:creationId xmlns:a16="http://schemas.microsoft.com/office/drawing/2014/main" id="{537DEF69-F1D1-4528-93AE-2683BB849E53}"/>
+              </a:ext>
+            </a:extLst>
+          </p:cNvPr>
+          <p:cNvSpPr/>
+          <p:nvPr/>
+        </p:nvSpPr>
+        <p:spPr>
+          <a:xfrm>
+            <a:off x="701748" y="1371597"/>
+            <a:ext cx="2817627" cy="1010093"/>
+          </a:xfrm>
+          <a:prstGeom prst="rect">
+            <a:avLst/>
+          </a:prstGeom>
+          <a:solidFill>
+            <a:schemeClr val="accent5"/>
+          </a:solidFill>
+        </p:spPr>
+        <p:style>
+          <a:lnRef idx="2">
+            <a:schemeClr val="accent1">
+              <a:shade val="50000"/>
+            </a:schemeClr>
+          </a:lnRef>
+          <a:fillRef idx="1">
+            <a:schemeClr val="accent1"/>
+          </a:fillRef>
+          <a:effectRef idx="0">
+            <a:schemeClr val="accent1"/>
+          </a:effectRef>
+          <a:fontRef idx="minor">
+            <a:schemeClr val="lt1"/>
+          </a:fontRef>
+        </p:style>
+        <p:txBody>
+          <a:bodyPr rtlCol="0" anchor="ctr"/>
+          <a:lstStyle/>
+          <a:p>
+            <a:pPr algn="ctr"/>
+            <a:r>
+              <a:rPr lang="en-US" dirty="0" err="1"/>
+              <a:t>clientLogIn</a:t>
+            </a:r>
+            <a:r>
+              <a:rPr lang="en-US" dirty="0"/>
+              <a:t>()</a:t>
+            </a:r>
+          </a:p>
+        </p:txBody>
+      </p:sp>
+      <p:cxnSp>
+        <p:nvCxnSpPr>
+          <p:cNvPr id="33" name="Straight Arrow Connector 32">
+            <a:extLst>
+              <a:ext uri="{FF2B5EF4-FFF2-40B4-BE49-F238E27FC236}">
+                <a16:creationId xmlns:a16="http://schemas.microsoft.com/office/drawing/2014/main" id="{0F5F22E2-AA52-403D-8FA3-577A44FD4AFD}"/>
+              </a:ext>
+            </a:extLst>
+          </p:cNvPr>
+          <p:cNvCxnSpPr>
+            <a:stCxn id="31" idx="2"/>
+            <a:endCxn id="25" idx="0"/>
+          </p:cNvCxnSpPr>
+          <p:nvPr/>
+        </p:nvCxnSpPr>
+        <p:spPr>
+          <a:xfrm flipH="1">
+            <a:off x="2110561" y="2381690"/>
+            <a:ext cx="1" cy="536946"/>
+          </a:xfrm>
+          <a:prstGeom prst="straightConnector1">
+            <a:avLst/>
+          </a:prstGeom>
+          <a:ln>
+            <a:tailEnd type="triangle"/>
+          </a:ln>
+        </p:spPr>
+        <p:style>
+          <a:lnRef idx="1">
+            <a:schemeClr val="accent1"/>
+          </a:lnRef>
+          <a:fillRef idx="0">
+            <a:schemeClr val="accent1"/>
+          </a:fillRef>
+          <a:effectRef idx="0">
+            <a:schemeClr val="accent1"/>
+          </a:effectRef>
+          <a:fontRef idx="minor">
+            <a:schemeClr val="tx1"/>
+          </a:fontRef>
+        </p:style>
+      </p:cxnSp>
+      <p:cxnSp>
+        <p:nvCxnSpPr>
+          <p:cNvPr id="40" name="Straight Arrow Connector 39">
+            <a:extLst>
+              <a:ext uri="{FF2B5EF4-FFF2-40B4-BE49-F238E27FC236}">
+                <a16:creationId xmlns:a16="http://schemas.microsoft.com/office/drawing/2014/main" id="{45178051-1D0C-4511-96F3-788B9F695AC7}"/>
+              </a:ext>
+            </a:extLst>
+          </p:cNvPr>
+          <p:cNvCxnSpPr>
+            <a:stCxn id="16" idx="0"/>
+            <a:endCxn id="25" idx="2"/>
+          </p:cNvCxnSpPr>
+          <p:nvPr/>
+        </p:nvCxnSpPr>
+        <p:spPr>
+          <a:xfrm flipH="1" flipV="1">
+            <a:off x="2110561" y="3428999"/>
+            <a:ext cx="409355" cy="723015"/>
+          </a:xfrm>
+          <a:prstGeom prst="straightConnector1">
+            <a:avLst/>
+          </a:prstGeom>
+          <a:ln>
+            <a:tailEnd type="triangle"/>
+          </a:ln>
+        </p:spPr>
+        <p:style>
+          <a:lnRef idx="1">
+            <a:schemeClr val="accent1"/>
+          </a:lnRef>
+          <a:fillRef idx="0">
+            <a:schemeClr val="accent1"/>
+          </a:fillRef>
+          <a:effectRef idx="0">
+            <a:schemeClr val="accent1"/>
+          </a:effectRef>
+          <a:fontRef idx="minor">
+            <a:schemeClr val="tx1"/>
+          </a:fontRef>
+        </p:style>
+      </p:cxnSp>
+      <p:sp>
+        <p:nvSpPr>
+          <p:cNvPr id="41" name="Rectangle 40">
+            <a:extLst>
+              <a:ext uri="{FF2B5EF4-FFF2-40B4-BE49-F238E27FC236}">
+                <a16:creationId xmlns:a16="http://schemas.microsoft.com/office/drawing/2014/main" id="{89826279-6CBD-44B1-9602-565BD2B54430}"/>
+              </a:ext>
+            </a:extLst>
+          </p:cNvPr>
+          <p:cNvSpPr/>
+          <p:nvPr/>
+        </p:nvSpPr>
+        <p:spPr>
+          <a:xfrm>
+            <a:off x="9202029" y="202017"/>
+            <a:ext cx="2817627" cy="1010093"/>
+          </a:xfrm>
+          <a:prstGeom prst="rect">
+            <a:avLst/>
+          </a:prstGeom>
+          <a:solidFill>
+            <a:schemeClr val="accent2"/>
+          </a:solidFill>
+        </p:spPr>
+        <p:style>
+          <a:lnRef idx="2">
+            <a:schemeClr val="accent1">
+              <a:shade val="50000"/>
+            </a:schemeClr>
+          </a:lnRef>
+          <a:fillRef idx="1">
+            <a:schemeClr val="accent1"/>
+          </a:fillRef>
+          <a:effectRef idx="0">
+            <a:schemeClr val="accent1"/>
+          </a:effectRef>
+          <a:fontRef idx="minor">
+            <a:schemeClr val="lt1"/>
+          </a:fontRef>
+        </p:style>
+        <p:txBody>
+          <a:bodyPr rtlCol="0" anchor="ctr"/>
+          <a:lstStyle/>
+          <a:p>
+            <a:pPr algn="ctr"/>
+            <a:r>
+              <a:rPr lang="en-US" dirty="0" err="1"/>
+              <a:t>ledgerUpdate</a:t>
+            </a:r>
+            <a:r>
+              <a:rPr lang="en-US" dirty="0"/>
+              <a:t>(User[] list)</a:t>
+            </a:r>
+          </a:p>
+        </p:txBody>
+      </p:sp>
+      <p:cxnSp>
+        <p:nvCxnSpPr>
+          <p:cNvPr id="43" name="Straight Arrow Connector 42">
+            <a:extLst>
+              <a:ext uri="{FF2B5EF4-FFF2-40B4-BE49-F238E27FC236}">
+                <a16:creationId xmlns:a16="http://schemas.microsoft.com/office/drawing/2014/main" id="{E274301A-5C92-4982-B8E7-FD4EFC2A7142}"/>
+              </a:ext>
+            </a:extLst>
+          </p:cNvPr>
+          <p:cNvCxnSpPr>
+            <a:cxnSpLocks/>
+            <a:stCxn id="8" idx="3"/>
+            <a:endCxn id="41" idx="1"/>
+          </p:cNvCxnSpPr>
+          <p:nvPr/>
+        </p:nvCxnSpPr>
+        <p:spPr>
+          <a:xfrm>
+            <a:off x="8739963" y="707064"/>
+            <a:ext cx="462066" cy="0"/>
+          </a:xfrm>
+          <a:prstGeom prst="straightConnector1">
+            <a:avLst/>
+          </a:prstGeom>
+          <a:ln>
+            <a:tailEnd type="triangle"/>
+          </a:ln>
+        </p:spPr>
+        <p:style>
+          <a:lnRef idx="1">
+            <a:schemeClr val="accent1"/>
+          </a:lnRef>
+          <a:fillRef idx="0">
+            <a:schemeClr val="accent1"/>
+          </a:fillRef>
+          <a:effectRef idx="0">
+            <a:schemeClr val="accent1"/>
+          </a:effectRef>
+          <a:fontRef idx="minor">
+            <a:schemeClr val="tx1"/>
+          </a:fontRef>
+        </p:style>
+      </p:cxnSp>
+      <p:cxnSp>
+        <p:nvCxnSpPr>
+          <p:cNvPr id="46" name="Straight Arrow Connector 45">
+            <a:extLst>
+              <a:ext uri="{FF2B5EF4-FFF2-40B4-BE49-F238E27FC236}">
+                <a16:creationId xmlns:a16="http://schemas.microsoft.com/office/drawing/2014/main" id="{F03CA2A3-5287-4A8C-98A5-0617721D96F7}"/>
+              </a:ext>
+            </a:extLst>
+          </p:cNvPr>
+          <p:cNvCxnSpPr>
+            <a:stCxn id="16" idx="3"/>
+          </p:cNvCxnSpPr>
+          <p:nvPr/>
+        </p:nvCxnSpPr>
+        <p:spPr>
+          <a:xfrm>
+            <a:off x="4220357" y="4657061"/>
+            <a:ext cx="1393633" cy="505046"/>
+          </a:xfrm>
+          <a:prstGeom prst="straightConnector1">
+            <a:avLst/>
+          </a:prstGeom>
+          <a:ln>
+            <a:tailEnd type="triangle"/>
+          </a:ln>
+        </p:spPr>
+        <p:style>
+          <a:lnRef idx="1">
+            <a:schemeClr val="accent1"/>
+          </a:lnRef>
+          <a:fillRef idx="0">
+            <a:schemeClr val="accent1"/>
+          </a:fillRef>
+          <a:effectRef idx="0">
+            <a:schemeClr val="accent1"/>
+          </a:effectRef>
+          <a:fontRef idx="minor">
+            <a:schemeClr val="tx1"/>
+          </a:fontRef>
+        </p:style>
+      </p:cxnSp>
+      <p:cxnSp>
+        <p:nvCxnSpPr>
+          <p:cNvPr id="49" name="Straight Arrow Connector 48">
+            <a:extLst>
+              <a:ext uri="{FF2B5EF4-FFF2-40B4-BE49-F238E27FC236}">
+                <a16:creationId xmlns:a16="http://schemas.microsoft.com/office/drawing/2014/main" id="{CF81BFA5-DAE9-44B5-9960-9E944184A41F}"/>
+              </a:ext>
+            </a:extLst>
+          </p:cNvPr>
+          <p:cNvCxnSpPr>
+            <a:cxnSpLocks/>
+            <a:stCxn id="10" idx="3"/>
+            <a:endCxn id="15" idx="1"/>
+          </p:cNvCxnSpPr>
+          <p:nvPr/>
+        </p:nvCxnSpPr>
+        <p:spPr>
+          <a:xfrm>
+            <a:off x="8739963" y="2450804"/>
+            <a:ext cx="499729" cy="0"/>
+          </a:xfrm>
+          <a:prstGeom prst="straightConnector1">
+            <a:avLst/>
+          </a:prstGeom>
+          <a:ln>
+            <a:tailEnd type="triangle"/>
+          </a:ln>
+        </p:spPr>
+        <p:style>
+          <a:lnRef idx="1">
+            <a:schemeClr val="accent1"/>
+          </a:lnRef>
+          <a:fillRef idx="0">
+            <a:schemeClr val="accent1"/>
+          </a:fillRef>
+          <a:effectRef idx="0">
+            <a:schemeClr val="accent1"/>
+          </a:effectRef>
+          <a:fontRef idx="minor">
+            <a:schemeClr val="tx1"/>
+          </a:fontRef>
+        </p:style>
+      </p:cxnSp>
+      <p:sp>
+        <p:nvSpPr>
+          <p:cNvPr id="53" name="Rectangle 52">
+            <a:extLst>
+              <a:ext uri="{FF2B5EF4-FFF2-40B4-BE49-F238E27FC236}">
+                <a16:creationId xmlns:a16="http://schemas.microsoft.com/office/drawing/2014/main" id="{F9D2A169-2B63-4D61-BFB4-5F931F084710}"/>
+              </a:ext>
+            </a:extLst>
+          </p:cNvPr>
+          <p:cNvSpPr/>
+          <p:nvPr/>
+        </p:nvSpPr>
+        <p:spPr>
+          <a:xfrm>
+            <a:off x="819475" y="5519451"/>
+            <a:ext cx="2022877" cy="1010093"/>
+          </a:xfrm>
+          <a:prstGeom prst="rect">
+            <a:avLst/>
+          </a:prstGeom>
+        </p:spPr>
+        <p:style>
+          <a:lnRef idx="2">
+            <a:schemeClr val="accent1">
+              <a:shade val="50000"/>
+            </a:schemeClr>
+          </a:lnRef>
+          <a:fillRef idx="1">
+            <a:schemeClr val="accent1"/>
+          </a:fillRef>
+          <a:effectRef idx="0">
+            <a:schemeClr val="accent1"/>
+          </a:effectRef>
+          <a:fontRef idx="minor">
+            <a:schemeClr val="lt1"/>
+          </a:fontRef>
+        </p:style>
+        <p:txBody>
+          <a:bodyPr rtlCol="0" anchor="ctr"/>
+          <a:lstStyle/>
+          <a:p>
+            <a:pPr algn="ctr"/>
+            <a:r>
+              <a:rPr lang="en-US" dirty="0"/>
+              <a:t>User {</a:t>
+            </a:r>
+          </a:p>
+          <a:p>
+            <a:pPr algn="ctr"/>
+            <a:r>
+              <a:rPr lang="en-US" dirty="0"/>
+              <a:t>Money</a:t>
+            </a:r>
+          </a:p>
+          <a:p>
+            <a:pPr algn="ctr"/>
+            <a:r>
+              <a:rPr lang="en-US" dirty="0"/>
+              <a:t>Name</a:t>
+            </a:r>
+          </a:p>
+          <a:p>
+            <a:pPr algn="ctr"/>
+            <a:r>
+              <a:rPr lang="en-US" dirty="0"/>
+              <a:t>}</a:t>
+            </a:r>
+          </a:p>
+        </p:txBody>
+      </p:sp>
+    </p:spTree>
+    <p:extLst>
+      <p:ext uri="{BB962C8B-B14F-4D97-AF65-F5344CB8AC3E}">
+        <p14:creationId xmlns:p14="http://schemas.microsoft.com/office/powerpoint/2010/main" val="4236514233"/>
+      </p:ext>
+    </p:extLst>
+  </p:cSld>
+  <p:clrMapOvr>
+    <a:masterClrMapping/>
+  </p:clrMapOvr>
+</p:sld>
+</file>
+
 <file path=ppt/theme/theme1.xml><?xml version="1.0" encoding="utf-8"?>
 <a:theme xmlns:a="http://schemas.openxmlformats.org/drawingml/2006/main" name="Crop">
   <a:themeElements>

--- a/docs/rest.pptx
+++ b/docs/rest.pptx
@@ -13,6 +13,7 @@
     <p:sldId id="261" r:id="rId7"/>
     <p:sldId id="262" r:id="rId8"/>
     <p:sldId id="263" r:id="rId9"/>
+    <p:sldId id="264" r:id="rId10"/>
   </p:sldIdLst>
   <p:sldSz cx="12192000" cy="6858000"/>
   <p:notesSz cx="6858000" cy="9144000"/>
@@ -10225,6 +10226,36 @@
 </p:sld>
 </file>
 
+<file path=ppt/slides/slide9.xml><?xml version="1.0" encoding="utf-8"?>
+<p:sld xmlns:a="http://schemas.openxmlformats.org/drawingml/2006/main" xmlns:r="http://schemas.openxmlformats.org/officeDocument/2006/relationships" xmlns:p="http://schemas.openxmlformats.org/presentationml/2006/main">
+  <p:cSld>
+    <p:spTree>
+      <p:nvGrpSpPr>
+        <p:cNvPr id="1" name=""/>
+        <p:cNvGrpSpPr/>
+        <p:nvPr/>
+      </p:nvGrpSpPr>
+      <p:grpSpPr>
+        <a:xfrm>
+          <a:off x="0" y="0"/>
+          <a:ext cx="0" cy="0"/>
+          <a:chOff x="0" y="0"/>
+          <a:chExt cx="0" cy="0"/>
+        </a:xfrm>
+      </p:grpSpPr>
+    </p:spTree>
+    <p:extLst>
+      <p:ext uri="{BB962C8B-B14F-4D97-AF65-F5344CB8AC3E}">
+        <p14:creationId xmlns:p14="http://schemas.microsoft.com/office/powerpoint/2010/main" val="2073168763"/>
+      </p:ext>
+    </p:extLst>
+  </p:cSld>
+  <p:clrMapOvr>
+    <a:masterClrMapping/>
+  </p:clrMapOvr>
+</p:sld>
+</file>
+
 <file path=ppt/theme/theme1.xml><?xml version="1.0" encoding="utf-8"?>
 <a:theme xmlns:a="http://schemas.openxmlformats.org/drawingml/2006/main" name="Crop">
   <a:themeElements>
